--- a/workshop1-django.pptx
+++ b/workshop1-django.pptx
@@ -250,7 +250,7 @@
           <a:p>
             <a:fld id="{47D9124A-F712-4330-B50C-7785EF7951EC}" type="datetimeFigureOut">
               <a:rPr lang="fr-FR" smtClean="0"/>
-              <a:t>20/10/2020</a:t>
+              <a:t>21/10/2020</a:t>
             </a:fld>
             <a:endParaRPr lang="fr-FR"/>
           </a:p>
@@ -420,7 +420,7 @@
           <a:p>
             <a:fld id="{47D9124A-F712-4330-B50C-7785EF7951EC}" type="datetimeFigureOut">
               <a:rPr lang="fr-FR" smtClean="0"/>
-              <a:t>20/10/2020</a:t>
+              <a:t>21/10/2020</a:t>
             </a:fld>
             <a:endParaRPr lang="fr-FR"/>
           </a:p>
@@ -600,7 +600,7 @@
           <a:p>
             <a:fld id="{47D9124A-F712-4330-B50C-7785EF7951EC}" type="datetimeFigureOut">
               <a:rPr lang="fr-FR" smtClean="0"/>
-              <a:t>20/10/2020</a:t>
+              <a:t>21/10/2020</a:t>
             </a:fld>
             <a:endParaRPr lang="fr-FR"/>
           </a:p>
@@ -770,7 +770,7 @@
           <a:p>
             <a:fld id="{47D9124A-F712-4330-B50C-7785EF7951EC}" type="datetimeFigureOut">
               <a:rPr lang="fr-FR" smtClean="0"/>
-              <a:t>20/10/2020</a:t>
+              <a:t>21/10/2020</a:t>
             </a:fld>
             <a:endParaRPr lang="fr-FR"/>
           </a:p>
@@ -1016,7 +1016,7 @@
           <a:p>
             <a:fld id="{47D9124A-F712-4330-B50C-7785EF7951EC}" type="datetimeFigureOut">
               <a:rPr lang="fr-FR" smtClean="0"/>
-              <a:t>20/10/2020</a:t>
+              <a:t>21/10/2020</a:t>
             </a:fld>
             <a:endParaRPr lang="fr-FR"/>
           </a:p>
@@ -1248,7 +1248,7 @@
           <a:p>
             <a:fld id="{47D9124A-F712-4330-B50C-7785EF7951EC}" type="datetimeFigureOut">
               <a:rPr lang="fr-FR" smtClean="0"/>
-              <a:t>20/10/2020</a:t>
+              <a:t>21/10/2020</a:t>
             </a:fld>
             <a:endParaRPr lang="fr-FR"/>
           </a:p>
@@ -1615,7 +1615,7 @@
           <a:p>
             <a:fld id="{47D9124A-F712-4330-B50C-7785EF7951EC}" type="datetimeFigureOut">
               <a:rPr lang="fr-FR" smtClean="0"/>
-              <a:t>20/10/2020</a:t>
+              <a:t>21/10/2020</a:t>
             </a:fld>
             <a:endParaRPr lang="fr-FR"/>
           </a:p>
@@ -1733,7 +1733,7 @@
           <a:p>
             <a:fld id="{47D9124A-F712-4330-B50C-7785EF7951EC}" type="datetimeFigureOut">
               <a:rPr lang="fr-FR" smtClean="0"/>
-              <a:t>20/10/2020</a:t>
+              <a:t>21/10/2020</a:t>
             </a:fld>
             <a:endParaRPr lang="fr-FR"/>
           </a:p>
@@ -1828,7 +1828,7 @@
           <a:p>
             <a:fld id="{47D9124A-F712-4330-B50C-7785EF7951EC}" type="datetimeFigureOut">
               <a:rPr lang="fr-FR" smtClean="0"/>
-              <a:t>20/10/2020</a:t>
+              <a:t>21/10/2020</a:t>
             </a:fld>
             <a:endParaRPr lang="fr-FR"/>
           </a:p>
@@ -2105,7 +2105,7 @@
           <a:p>
             <a:fld id="{47D9124A-F712-4330-B50C-7785EF7951EC}" type="datetimeFigureOut">
               <a:rPr lang="fr-FR" smtClean="0"/>
-              <a:t>20/10/2020</a:t>
+              <a:t>21/10/2020</a:t>
             </a:fld>
             <a:endParaRPr lang="fr-FR"/>
           </a:p>
@@ -2358,7 +2358,7 @@
           <a:p>
             <a:fld id="{47D9124A-F712-4330-B50C-7785EF7951EC}" type="datetimeFigureOut">
               <a:rPr lang="fr-FR" smtClean="0"/>
-              <a:t>20/10/2020</a:t>
+              <a:t>21/10/2020</a:t>
             </a:fld>
             <a:endParaRPr lang="fr-FR"/>
           </a:p>
@@ -2571,7 +2571,7 @@
           <a:p>
             <a:fld id="{47D9124A-F712-4330-B50C-7785EF7951EC}" type="datetimeFigureOut">
               <a:rPr lang="fr-FR" smtClean="0"/>
-              <a:t>20/10/2020</a:t>
+              <a:t>21/10/2020</a:t>
             </a:fld>
             <a:endParaRPr lang="fr-FR"/>
           </a:p>
@@ -3885,7 +3885,7 @@
         </p:spPr>
         <p:txBody>
           <a:bodyPr>
-            <a:normAutofit lnSpcReduction="10000"/>
+            <a:normAutofit fontScale="85000" lnSpcReduction="10000"/>
           </a:bodyPr>
           <a:lstStyle/>
           <a:p>
@@ -3947,19 +3947,51 @@
               <a:rPr lang="fr-FR" dirty="0" smtClean="0">
                 <a:hlinkClick r:id="rId3"/>
               </a:rPr>
-              <a:t>https://docs.djangoproject.com/en/3.1/</a:t>
+              <a:t>https://</a:t>
+            </a:r>
+            <a:r>
+              <a:rPr lang="fr-FR" dirty="0" smtClean="0">
+                <a:hlinkClick r:id="rId3"/>
+              </a:rPr>
+              <a:t>docs.djangoproject.com/en/3.1</a:t>
             </a:r>
             <a:r>
               <a:rPr lang="fr-FR" dirty="0" smtClean="0"/>
               <a:t> </a:t>
             </a:r>
+            <a:endParaRPr lang="fr-FR" dirty="0" smtClean="0"/>
           </a:p>
           <a:p>
             <a:r>
               <a:rPr lang="fr-FR" dirty="0" smtClean="0">
                 <a:hlinkClick r:id="rId4"/>
               </a:rPr>
-              <a:t>https://djangopackages.org/</a:t>
+              <a:t>https://djangopackages.org</a:t>
+            </a:r>
+            <a:r>
+              <a:rPr lang="fr-FR" dirty="0" smtClean="0">
+                <a:hlinkClick r:id="rId4"/>
+              </a:rPr>
+              <a:t>/</a:t>
+            </a:r>
+            <a:endParaRPr lang="fr-FR" dirty="0" smtClean="0"/>
+          </a:p>
+          <a:p>
+            <a:r>
+              <a:rPr lang="fr-FR" dirty="0">
+                <a:hlinkClick r:id="rId5"/>
+              </a:rPr>
+              <a:t>http://mybem.pages.pleiade.edf.fr/pyrosetteweb/pyrosetteweb-docs/django/framework</a:t>
+            </a:r>
+            <a:r>
+              <a:rPr lang="fr-FR" dirty="0" smtClean="0">
+                <a:hlinkClick r:id="rId5"/>
+              </a:rPr>
+              <a:t>/</a:t>
+            </a:r>
+            <a:r>
+              <a:rPr lang="fr-FR" dirty="0" smtClean="0"/>
+              <a:t> </a:t>
             </a:r>
             <a:endParaRPr lang="fr-FR" dirty="0" smtClean="0"/>
           </a:p>
@@ -3977,7 +4009,7 @@
           <p:nvPr/>
         </p:nvPicPr>
         <p:blipFill>
-          <a:blip r:embed="rId5">
+          <a:blip r:embed="rId6">
             <a:extLst>
               <a:ext uri="{28A0092B-C50C-407E-A947-70E740481C1C}">
                 <a14:useLocalDpi xmlns:a14="http://schemas.microsoft.com/office/drawing/2010/main" val="0"/>
@@ -4518,12 +4550,9 @@
 </file>
 
 <file path=customXml/item1.xml><?xml version="1.0" encoding="utf-8"?>
-<?mso-contentType ?>
-<FormTemplates xmlns="http://schemas.microsoft.com/sharepoint/v3/contenttype/forms">
-  <Display>DocumentLibraryForm</Display>
-  <Edit>DocumentLibraryForm</Edit>
-  <New>DocumentLibraryForm</New>
-</FormTemplates>
+<p:properties xmlns:p="http://schemas.microsoft.com/office/2006/metadata/properties" xmlns:xsi="http://www.w3.org/2001/XMLSchema-instance" xmlns:pc="http://schemas.microsoft.com/office/infopath/2007/PartnerControls">
+  <documentManagement/>
+</p:properties>
 </file>
 
 <file path=customXml/item2.xml><?xml version="1.0" encoding="utf-8"?>
@@ -4673,15 +4702,26 @@
 </file>
 
 <file path=customXml/item3.xml><?xml version="1.0" encoding="utf-8"?>
-<p:properties xmlns:p="http://schemas.microsoft.com/office/2006/metadata/properties" xmlns:xsi="http://www.w3.org/2001/XMLSchema-instance" xmlns:pc="http://schemas.microsoft.com/office/infopath/2007/PartnerControls">
-  <documentManagement/>
-</p:properties>
+<?mso-contentType ?>
+<FormTemplates xmlns="http://schemas.microsoft.com/sharepoint/v3/contenttype/forms">
+  <Display>DocumentLibraryForm</Display>
+  <Edit>DocumentLibraryForm</Edit>
+  <New>DocumentLibraryForm</New>
+</FormTemplates>
 </file>
 
 <file path=customXml/itemProps1.xml><?xml version="1.0" encoding="utf-8"?>
-<ds:datastoreItem xmlns:ds="http://schemas.openxmlformats.org/officeDocument/2006/customXml" ds:itemID="{90941375-268F-45E4-9A00-FC8312429169}">
+<ds:datastoreItem xmlns:ds="http://schemas.openxmlformats.org/officeDocument/2006/customXml" ds:itemID="{4412FCC2-DF2A-44ED-8675-4120B55F1846}">
   <ds:schemaRefs>
-    <ds:schemaRef ds:uri="http://schemas.microsoft.com/sharepoint/v3/contenttype/forms"/>
+    <ds:schemaRef ds:uri="http://purl.org/dc/terms/"/>
+    <ds:schemaRef ds:uri="http://schemas.openxmlformats.org/package/2006/metadata/core-properties"/>
+    <ds:schemaRef ds:uri="http://purl.org/dc/dcmitype/"/>
+    <ds:schemaRef ds:uri="http://schemas.microsoft.com/office/infopath/2007/PartnerControls"/>
+    <ds:schemaRef ds:uri="9e27ba41-c39d-49c0-be24-919a0f9e9604"/>
+    <ds:schemaRef ds:uri="http://schemas.microsoft.com/office/2006/documentManagement/types"/>
+    <ds:schemaRef ds:uri="http://schemas.microsoft.com/office/2006/metadata/properties"/>
+    <ds:schemaRef ds:uri="http://www.w3.org/XML/1998/namespace"/>
+    <ds:schemaRef ds:uri="http://purl.org/dc/elements/1.1/"/>
   </ds:schemaRefs>
 </ds:datastoreItem>
 </file>
@@ -4705,17 +4745,9 @@
 </file>
 
 <file path=customXml/itemProps3.xml><?xml version="1.0" encoding="utf-8"?>
-<ds:datastoreItem xmlns:ds="http://schemas.openxmlformats.org/officeDocument/2006/customXml" ds:itemID="{4412FCC2-DF2A-44ED-8675-4120B55F1846}">
+<ds:datastoreItem xmlns:ds="http://schemas.openxmlformats.org/officeDocument/2006/customXml" ds:itemID="{90941375-268F-45E4-9A00-FC8312429169}">
   <ds:schemaRefs>
-    <ds:schemaRef ds:uri="http://purl.org/dc/terms/"/>
-    <ds:schemaRef ds:uri="http://schemas.openxmlformats.org/package/2006/metadata/core-properties"/>
-    <ds:schemaRef ds:uri="http://purl.org/dc/dcmitype/"/>
-    <ds:schemaRef ds:uri="http://schemas.microsoft.com/office/infopath/2007/PartnerControls"/>
-    <ds:schemaRef ds:uri="9e27ba41-c39d-49c0-be24-919a0f9e9604"/>
-    <ds:schemaRef ds:uri="http://schemas.microsoft.com/office/2006/documentManagement/types"/>
-    <ds:schemaRef ds:uri="http://schemas.microsoft.com/office/2006/metadata/properties"/>
-    <ds:schemaRef ds:uri="http://www.w3.org/XML/1998/namespace"/>
-    <ds:schemaRef ds:uri="http://purl.org/dc/elements/1.1/"/>
+    <ds:schemaRef ds:uri="http://schemas.microsoft.com/sharepoint/v3/contenttype/forms"/>
   </ds:schemaRefs>
 </ds:datastoreItem>
 </file>